--- a/platform-design/design-docs/教学辅助平台用例图&功能划分.pptx
+++ b/platform-design/design-docs/教学辅助平台用例图&功能划分.pptx
@@ -8,17 +8,15 @@
     <p:sldId id="256" r:id="rId2"/>
     <p:sldId id="257" r:id="rId3"/>
     <p:sldId id="259" r:id="rId4"/>
-    <p:sldId id="258" r:id="rId5"/>
-    <p:sldId id="260" r:id="rId6"/>
-    <p:sldId id="261" r:id="rId7"/>
-    <p:sldId id="262" r:id="rId8"/>
-    <p:sldId id="263" r:id="rId9"/>
-    <p:sldId id="264" r:id="rId10"/>
-    <p:sldId id="265" r:id="rId11"/>
-    <p:sldId id="266" r:id="rId12"/>
-    <p:sldId id="267" r:id="rId13"/>
-    <p:sldId id="268" r:id="rId14"/>
-    <p:sldId id="269" r:id="rId15"/>
+    <p:sldId id="260" r:id="rId5"/>
+    <p:sldId id="261" r:id="rId6"/>
+    <p:sldId id="262" r:id="rId7"/>
+    <p:sldId id="263" r:id="rId8"/>
+    <p:sldId id="264" r:id="rId9"/>
+    <p:sldId id="265" r:id="rId10"/>
+    <p:sldId id="266" r:id="rId11"/>
+    <p:sldId id="267" r:id="rId12"/>
+    <p:sldId id="268" r:id="rId13"/>
   </p:sldIdLst>
   <p:sldSz cx="12192000" cy="6858000"/>
   <p:notesSz cx="6858000" cy="9144000"/>
@@ -117,6 +115,11 @@
       </a:defRPr>
     </a:lvl9pPr>
   </p:defaultTextStyle>
+  <p:extLst>
+    <p:ext uri="{EFAFB233-063F-42B5-8137-9DF3F51BA10A}">
+      <p15:sldGuideLst xmlns:p15="http://schemas.microsoft.com/office/powerpoint/2012/main"/>
+    </p:ext>
+  </p:extLst>
 </p:presentation>
 </file>
 
@@ -267,7 +270,7 @@
           <a:p>
             <a:fld id="{038794ED-9C1C-4BB6-8F20-8D24D174724E}" type="datetimeFigureOut">
               <a:rPr lang="zh-CN" altLang="en-US" smtClean="0"/>
-              <a:t>2024/4/1</a:t>
+              <a:t>2024/4/2</a:t>
             </a:fld>
             <a:endParaRPr lang="zh-CN" altLang="en-US"/>
           </a:p>
@@ -465,7 +468,7 @@
           <a:p>
             <a:fld id="{038794ED-9C1C-4BB6-8F20-8D24D174724E}" type="datetimeFigureOut">
               <a:rPr lang="zh-CN" altLang="en-US" smtClean="0"/>
-              <a:t>2024/4/1</a:t>
+              <a:t>2024/4/2</a:t>
             </a:fld>
             <a:endParaRPr lang="zh-CN" altLang="en-US"/>
           </a:p>
@@ -673,7 +676,7 @@
           <a:p>
             <a:fld id="{038794ED-9C1C-4BB6-8F20-8D24D174724E}" type="datetimeFigureOut">
               <a:rPr lang="zh-CN" altLang="en-US" smtClean="0"/>
-              <a:t>2024/4/1</a:t>
+              <a:t>2024/4/2</a:t>
             </a:fld>
             <a:endParaRPr lang="zh-CN" altLang="en-US"/>
           </a:p>
@@ -871,7 +874,7 @@
           <a:p>
             <a:fld id="{038794ED-9C1C-4BB6-8F20-8D24D174724E}" type="datetimeFigureOut">
               <a:rPr lang="zh-CN" altLang="en-US" smtClean="0"/>
-              <a:t>2024/4/1</a:t>
+              <a:t>2024/4/2</a:t>
             </a:fld>
             <a:endParaRPr lang="zh-CN" altLang="en-US"/>
           </a:p>
@@ -1146,7 +1149,7 @@
           <a:p>
             <a:fld id="{038794ED-9C1C-4BB6-8F20-8D24D174724E}" type="datetimeFigureOut">
               <a:rPr lang="zh-CN" altLang="en-US" smtClean="0"/>
-              <a:t>2024/4/1</a:t>
+              <a:t>2024/4/2</a:t>
             </a:fld>
             <a:endParaRPr lang="zh-CN" altLang="en-US"/>
           </a:p>
@@ -1411,7 +1414,7 @@
           <a:p>
             <a:fld id="{038794ED-9C1C-4BB6-8F20-8D24D174724E}" type="datetimeFigureOut">
               <a:rPr lang="zh-CN" altLang="en-US" smtClean="0"/>
-              <a:t>2024/4/1</a:t>
+              <a:t>2024/4/2</a:t>
             </a:fld>
             <a:endParaRPr lang="zh-CN" altLang="en-US"/>
           </a:p>
@@ -1823,7 +1826,7 @@
           <a:p>
             <a:fld id="{038794ED-9C1C-4BB6-8F20-8D24D174724E}" type="datetimeFigureOut">
               <a:rPr lang="zh-CN" altLang="en-US" smtClean="0"/>
-              <a:t>2024/4/1</a:t>
+              <a:t>2024/4/2</a:t>
             </a:fld>
             <a:endParaRPr lang="zh-CN" altLang="en-US"/>
           </a:p>
@@ -1964,7 +1967,7 @@
           <a:p>
             <a:fld id="{038794ED-9C1C-4BB6-8F20-8D24D174724E}" type="datetimeFigureOut">
               <a:rPr lang="zh-CN" altLang="en-US" smtClean="0"/>
-              <a:t>2024/4/1</a:t>
+              <a:t>2024/4/2</a:t>
             </a:fld>
             <a:endParaRPr lang="zh-CN" altLang="en-US"/>
           </a:p>
@@ -2077,7 +2080,7 @@
           <a:p>
             <a:fld id="{038794ED-9C1C-4BB6-8F20-8D24D174724E}" type="datetimeFigureOut">
               <a:rPr lang="zh-CN" altLang="en-US" smtClean="0"/>
-              <a:t>2024/4/1</a:t>
+              <a:t>2024/4/2</a:t>
             </a:fld>
             <a:endParaRPr lang="zh-CN" altLang="en-US"/>
           </a:p>
@@ -2388,7 +2391,7 @@
           <a:p>
             <a:fld id="{038794ED-9C1C-4BB6-8F20-8D24D174724E}" type="datetimeFigureOut">
               <a:rPr lang="zh-CN" altLang="en-US" smtClean="0"/>
-              <a:t>2024/4/1</a:t>
+              <a:t>2024/4/2</a:t>
             </a:fld>
             <a:endParaRPr lang="zh-CN" altLang="en-US"/>
           </a:p>
@@ -2676,7 +2679,7 @@
           <a:p>
             <a:fld id="{038794ED-9C1C-4BB6-8F20-8D24D174724E}" type="datetimeFigureOut">
               <a:rPr lang="zh-CN" altLang="en-US" smtClean="0"/>
-              <a:t>2024/4/1</a:t>
+              <a:t>2024/4/2</a:t>
             </a:fld>
             <a:endParaRPr lang="zh-CN" altLang="en-US"/>
           </a:p>
@@ -2917,7 +2920,7 @@
           <a:p>
             <a:fld id="{038794ED-9C1C-4BB6-8F20-8D24D174724E}" type="datetimeFigureOut">
               <a:rPr lang="zh-CN" altLang="en-US" smtClean="0"/>
-              <a:t>2024/4/1</a:t>
+              <a:t>2024/4/2</a:t>
             </a:fld>
             <a:endParaRPr lang="zh-CN" altLang="en-US"/>
           </a:p>
@@ -3422,7 +3425,7 @@
           <p:cNvPr id="2" name="标题 1">
             <a:extLst>
               <a:ext uri="{FF2B5EF4-FFF2-40B4-BE49-F238E27FC236}">
-                <a16:creationId xmlns:a16="http://schemas.microsoft.com/office/drawing/2014/main" id="{BED406D5-A266-45AE-8F4E-B4AF09963B27}"/>
+                <a16:creationId xmlns:a16="http://schemas.microsoft.com/office/drawing/2014/main" id="{DB136210-A218-424D-8330-9BF5314BEAA7}"/>
               </a:ext>
             </a:extLst>
           </p:cNvPr>
@@ -3447,7 +3450,7 @@
           <p:cNvPr id="5" name="内容占位符 4">
             <a:extLst>
               <a:ext uri="{FF2B5EF4-FFF2-40B4-BE49-F238E27FC236}">
-                <a16:creationId xmlns:a16="http://schemas.microsoft.com/office/drawing/2014/main" id="{75477D55-22FB-4416-A315-0E825CF57994}"/>
+                <a16:creationId xmlns:a16="http://schemas.microsoft.com/office/drawing/2014/main" id="{2B47929A-4B5E-4C32-A81B-3EB6E9243616}"/>
               </a:ext>
             </a:extLst>
           </p:cNvPr>
@@ -3472,15 +3475,15 @@
         </p:blipFill>
         <p:spPr>
           <a:xfrm>
-            <a:off x="4064906" y="1130900"/>
-            <a:ext cx="4446797" cy="5151354"/>
+            <a:off x="3028955" y="616873"/>
+            <a:ext cx="6663164" cy="5876002"/>
           </a:xfrm>
         </p:spPr>
       </p:pic>
     </p:spTree>
     <p:extLst>
       <p:ext uri="{BB962C8B-B14F-4D97-AF65-F5344CB8AC3E}">
-        <p14:creationId xmlns:p14="http://schemas.microsoft.com/office/powerpoint/2010/main" val="888656514"/>
+        <p14:creationId xmlns:p14="http://schemas.microsoft.com/office/powerpoint/2010/main" val="3959837052"/>
       </p:ext>
     </p:extLst>
   </p:cSld>
@@ -3512,7 +3515,7 @@
           <p:cNvPr id="2" name="标题 1">
             <a:extLst>
               <a:ext uri="{FF2B5EF4-FFF2-40B4-BE49-F238E27FC236}">
-                <a16:creationId xmlns:a16="http://schemas.microsoft.com/office/drawing/2014/main" id="{DB136210-A218-424D-8330-9BF5314BEAA7}"/>
+                <a16:creationId xmlns:a16="http://schemas.microsoft.com/office/drawing/2014/main" id="{AA8B0044-9FF3-4654-80CC-86326D220E60}"/>
               </a:ext>
             </a:extLst>
           </p:cNvPr>
@@ -3537,7 +3540,7 @@
           <p:cNvPr id="5" name="内容占位符 4">
             <a:extLst>
               <a:ext uri="{FF2B5EF4-FFF2-40B4-BE49-F238E27FC236}">
-                <a16:creationId xmlns:a16="http://schemas.microsoft.com/office/drawing/2014/main" id="{2B47929A-4B5E-4C32-A81B-3EB6E9243616}"/>
+                <a16:creationId xmlns:a16="http://schemas.microsoft.com/office/drawing/2014/main" id="{C779EA08-E16B-4261-91B0-B8ABA50B262D}"/>
               </a:ext>
             </a:extLst>
           </p:cNvPr>
@@ -3562,15 +3565,15 @@
         </p:blipFill>
         <p:spPr>
           <a:xfrm>
-            <a:off x="3028955" y="616873"/>
-            <a:ext cx="6663164" cy="5876002"/>
+            <a:off x="2683620" y="632884"/>
+            <a:ext cx="6460380" cy="5592231"/>
           </a:xfrm>
         </p:spPr>
       </p:pic>
     </p:spTree>
     <p:extLst>
       <p:ext uri="{BB962C8B-B14F-4D97-AF65-F5344CB8AC3E}">
-        <p14:creationId xmlns:p14="http://schemas.microsoft.com/office/powerpoint/2010/main" val="3959837052"/>
+        <p14:creationId xmlns:p14="http://schemas.microsoft.com/office/powerpoint/2010/main" val="2148449782"/>
       </p:ext>
     </p:extLst>
   </p:cSld>
@@ -3602,96 +3605,6 @@
           <p:cNvPr id="2" name="标题 1">
             <a:extLst>
               <a:ext uri="{FF2B5EF4-FFF2-40B4-BE49-F238E27FC236}">
-                <a16:creationId xmlns:a16="http://schemas.microsoft.com/office/drawing/2014/main" id="{AA8B0044-9FF3-4654-80CC-86326D220E60}"/>
-              </a:ext>
-            </a:extLst>
-          </p:cNvPr>
-          <p:cNvSpPr>
-            <a:spLocks noGrp="1"/>
-          </p:cNvSpPr>
-          <p:nvPr>
-            <p:ph type="title"/>
-          </p:nvPr>
-        </p:nvSpPr>
-        <p:spPr/>
-        <p:txBody>
-          <a:bodyPr/>
-          <a:lstStyle/>
-          <a:p>
-            <a:endParaRPr lang="zh-CN" altLang="en-US"/>
-          </a:p>
-        </p:txBody>
-      </p:sp>
-      <p:pic>
-        <p:nvPicPr>
-          <p:cNvPr id="5" name="内容占位符 4">
-            <a:extLst>
-              <a:ext uri="{FF2B5EF4-FFF2-40B4-BE49-F238E27FC236}">
-                <a16:creationId xmlns:a16="http://schemas.microsoft.com/office/drawing/2014/main" id="{C779EA08-E16B-4261-91B0-B8ABA50B262D}"/>
-              </a:ext>
-            </a:extLst>
-          </p:cNvPr>
-          <p:cNvPicPr>
-            <a:picLocks noGrp="1" noChangeAspect="1"/>
-          </p:cNvPicPr>
-          <p:nvPr>
-            <p:ph idx="1"/>
-          </p:nvPr>
-        </p:nvPicPr>
-        <p:blipFill>
-          <a:blip r:embed="rId2">
-            <a:extLst>
-              <a:ext uri="{28A0092B-C50C-407E-A947-70E740481C1C}">
-                <a14:useLocalDpi xmlns:a14="http://schemas.microsoft.com/office/drawing/2010/main" val="0"/>
-              </a:ext>
-            </a:extLst>
-          </a:blip>
-          <a:stretch>
-            <a:fillRect/>
-          </a:stretch>
-        </p:blipFill>
-        <p:spPr>
-          <a:xfrm>
-            <a:off x="2683620" y="632884"/>
-            <a:ext cx="6460380" cy="5592231"/>
-          </a:xfrm>
-        </p:spPr>
-      </p:pic>
-    </p:spTree>
-    <p:extLst>
-      <p:ext uri="{BB962C8B-B14F-4D97-AF65-F5344CB8AC3E}">
-        <p14:creationId xmlns:p14="http://schemas.microsoft.com/office/powerpoint/2010/main" val="2148449782"/>
-      </p:ext>
-    </p:extLst>
-  </p:cSld>
-  <p:clrMapOvr>
-    <a:masterClrMapping/>
-  </p:clrMapOvr>
-</p:sld>
-</file>
-
-<file path=ppt/slides/slide13.xml><?xml version="1.0" encoding="utf-8"?>
-<p:sld xmlns:a="http://schemas.openxmlformats.org/drawingml/2006/main" xmlns:r="http://schemas.openxmlformats.org/officeDocument/2006/relationships" xmlns:p="http://schemas.openxmlformats.org/presentationml/2006/main">
-  <p:cSld>
-    <p:spTree>
-      <p:nvGrpSpPr>
-        <p:cNvPr id="1" name=""/>
-        <p:cNvGrpSpPr/>
-        <p:nvPr/>
-      </p:nvGrpSpPr>
-      <p:grpSpPr>
-        <a:xfrm>
-          <a:off x="0" y="0"/>
-          <a:ext cx="0" cy="0"/>
-          <a:chOff x="0" y="0"/>
-          <a:chExt cx="0" cy="0"/>
-        </a:xfrm>
-      </p:grpSpPr>
-      <p:sp>
-        <p:nvSpPr>
-          <p:cNvPr id="2" name="标题 1">
-            <a:extLst>
-              <a:ext uri="{FF2B5EF4-FFF2-40B4-BE49-F238E27FC236}">
                 <a16:creationId xmlns:a16="http://schemas.microsoft.com/office/drawing/2014/main" id="{D3F724F2-4141-4B71-B6D9-389DD5484CE4}"/>
               </a:ext>
             </a:extLst>
@@ -3751,130 +3664,6 @@
     <p:extLst>
       <p:ext uri="{BB962C8B-B14F-4D97-AF65-F5344CB8AC3E}">
         <p14:creationId xmlns:p14="http://schemas.microsoft.com/office/powerpoint/2010/main" val="1351101995"/>
-      </p:ext>
-    </p:extLst>
-  </p:cSld>
-  <p:clrMapOvr>
-    <a:masterClrMapping/>
-  </p:clrMapOvr>
-</p:sld>
-</file>
-
-<file path=ppt/slides/slide14.xml><?xml version="1.0" encoding="utf-8"?>
-<p:sld xmlns:a="http://schemas.openxmlformats.org/drawingml/2006/main" xmlns:r="http://schemas.openxmlformats.org/officeDocument/2006/relationships" xmlns:p="http://schemas.openxmlformats.org/presentationml/2006/main">
-  <p:cSld>
-    <p:spTree>
-      <p:nvGrpSpPr>
-        <p:cNvPr id="1" name=""/>
-        <p:cNvGrpSpPr/>
-        <p:nvPr/>
-      </p:nvGrpSpPr>
-      <p:grpSpPr>
-        <a:xfrm>
-          <a:off x="0" y="0"/>
-          <a:ext cx="0" cy="0"/>
-          <a:chOff x="0" y="0"/>
-          <a:chExt cx="0" cy="0"/>
-        </a:xfrm>
-      </p:grpSpPr>
-      <p:sp>
-        <p:nvSpPr>
-          <p:cNvPr id="2" name="标题 1">
-            <a:extLst>
-              <a:ext uri="{FF2B5EF4-FFF2-40B4-BE49-F238E27FC236}">
-                <a16:creationId xmlns:a16="http://schemas.microsoft.com/office/drawing/2014/main" id="{99154A54-09B2-4933-AC1C-9425B84E270B}"/>
-              </a:ext>
-            </a:extLst>
-          </p:cNvPr>
-          <p:cNvSpPr>
-            <a:spLocks noGrp="1"/>
-          </p:cNvSpPr>
-          <p:nvPr>
-            <p:ph type="title"/>
-          </p:nvPr>
-        </p:nvSpPr>
-        <p:spPr/>
-        <p:txBody>
-          <a:bodyPr/>
-          <a:lstStyle/>
-          <a:p>
-            <a:endParaRPr lang="zh-CN" altLang="en-US"/>
-          </a:p>
-        </p:txBody>
-      </p:sp>
-      <p:pic>
-        <p:nvPicPr>
-          <p:cNvPr id="5" name="内容占位符 4">
-            <a:extLst>
-              <a:ext uri="{FF2B5EF4-FFF2-40B4-BE49-F238E27FC236}">
-                <a16:creationId xmlns:a16="http://schemas.microsoft.com/office/drawing/2014/main" id="{DB2D3FF2-6C10-469C-B5AB-81541CE6E684}"/>
-              </a:ext>
-            </a:extLst>
-          </p:cNvPr>
-          <p:cNvPicPr>
-            <a:picLocks noGrp="1" noChangeAspect="1"/>
-          </p:cNvPicPr>
-          <p:nvPr>
-            <p:ph idx="1"/>
-          </p:nvPr>
-        </p:nvPicPr>
-        <p:blipFill rotWithShape="1">
-          <a:blip r:embed="rId2">
-            <a:extLst>
-              <a:ext uri="{28A0092B-C50C-407E-A947-70E740481C1C}">
-                <a14:useLocalDpi xmlns:a14="http://schemas.microsoft.com/office/drawing/2010/main" val="0"/>
-              </a:ext>
-            </a:extLst>
-          </a:blip>
-          <a:srcRect b="47071"/>
-          <a:stretch/>
-        </p:blipFill>
-        <p:spPr>
-          <a:xfrm>
-            <a:off x="2663046" y="56848"/>
-            <a:ext cx="2195712" cy="6744304"/>
-          </a:xfrm>
-        </p:spPr>
-      </p:pic>
-      <p:pic>
-        <p:nvPicPr>
-          <p:cNvPr id="6" name="内容占位符 4">
-            <a:extLst>
-              <a:ext uri="{FF2B5EF4-FFF2-40B4-BE49-F238E27FC236}">
-                <a16:creationId xmlns:a16="http://schemas.microsoft.com/office/drawing/2014/main" id="{7C39E24B-290D-4FF8-B11D-DD073AE43C9A}"/>
-              </a:ext>
-            </a:extLst>
-          </p:cNvPr>
-          <p:cNvPicPr>
-            <a:picLocks noChangeAspect="1"/>
-          </p:cNvPicPr>
-          <p:nvPr/>
-        </p:nvPicPr>
-        <p:blipFill rotWithShape="1">
-          <a:blip r:embed="rId2">
-            <a:extLst>
-              <a:ext uri="{28A0092B-C50C-407E-A947-70E740481C1C}">
-                <a14:useLocalDpi xmlns:a14="http://schemas.microsoft.com/office/drawing/2010/main" val="0"/>
-              </a:ext>
-            </a:extLst>
-          </a:blip>
-          <a:srcRect t="42743"/>
-          <a:stretch/>
-        </p:blipFill>
-        <p:spPr>
-          <a:xfrm>
-            <a:off x="6334812" y="90257"/>
-            <a:ext cx="2036759" cy="6767743"/>
-          </a:xfrm>
-          <a:prstGeom prst="rect">
-            <a:avLst/>
-          </a:prstGeom>
-        </p:spPr>
-      </p:pic>
-    </p:spTree>
-    <p:extLst>
-      <p:ext uri="{BB962C8B-B14F-4D97-AF65-F5344CB8AC3E}">
-        <p14:creationId xmlns:p14="http://schemas.microsoft.com/office/powerpoint/2010/main" val="2561219649"/>
       </p:ext>
     </p:extLst>
   </p:cSld>
@@ -4086,99 +3875,58 @@
           <p:cNvPr id="2" name="标题 1">
             <a:extLst>
               <a:ext uri="{FF2B5EF4-FFF2-40B4-BE49-F238E27FC236}">
-                <a16:creationId xmlns:a16="http://schemas.microsoft.com/office/drawing/2014/main" id="{C3CEF2C9-0F50-49F7-8824-5A088835839E}"/>
-              </a:ext>
-            </a:extLst>
-          </p:cNvPr>
-          <p:cNvSpPr>
-            <a:spLocks noGrp="1"/>
-          </p:cNvSpPr>
-          <p:nvPr>
-            <p:ph type="title"/>
-          </p:nvPr>
-        </p:nvSpPr>
-        <p:spPr/>
-        <p:txBody>
-          <a:bodyPr/>
-          <a:lstStyle/>
-          <a:p>
-            <a:endParaRPr lang="zh-CN" altLang="en-US"/>
-          </a:p>
-        </p:txBody>
-      </p:sp>
-      <p:pic>
-        <p:nvPicPr>
-          <p:cNvPr id="13" name="内容占位符 12">
-            <a:extLst>
-              <a:ext uri="{FF2B5EF4-FFF2-40B4-BE49-F238E27FC236}">
-                <a16:creationId xmlns:a16="http://schemas.microsoft.com/office/drawing/2014/main" id="{729F853E-B86D-48A4-9A38-34C0820148A0}"/>
-              </a:ext>
-            </a:extLst>
-          </p:cNvPr>
-          <p:cNvPicPr>
-            <a:picLocks noGrp="1" noChangeAspect="1"/>
-          </p:cNvPicPr>
-          <p:nvPr>
-            <p:ph idx="1"/>
-          </p:nvPr>
-        </p:nvPicPr>
-        <p:blipFill rotWithShape="1">
-          <a:blip r:embed="rId2">
-            <a:extLst>
-              <a:ext uri="{28A0092B-C50C-407E-A947-70E740481C1C}">
-                <a14:useLocalDpi xmlns:a14="http://schemas.microsoft.com/office/drawing/2010/main" val="0"/>
-              </a:ext>
-            </a:extLst>
-          </a:blip>
-          <a:srcRect b="47715"/>
-          <a:stretch/>
-        </p:blipFill>
-        <p:spPr>
-          <a:xfrm>
-            <a:off x="1745160" y="0"/>
-            <a:ext cx="3285840" cy="6858000"/>
-          </a:xfrm>
-        </p:spPr>
-      </p:pic>
-      <p:pic>
-        <p:nvPicPr>
-          <p:cNvPr id="14" name="内容占位符 12">
-            <a:extLst>
-              <a:ext uri="{FF2B5EF4-FFF2-40B4-BE49-F238E27FC236}">
-                <a16:creationId xmlns:a16="http://schemas.microsoft.com/office/drawing/2014/main" id="{D45F64A0-6DE9-454C-B0D4-C63DC0BA3035}"/>
-              </a:ext>
-            </a:extLst>
-          </p:cNvPr>
-          <p:cNvPicPr>
-            <a:picLocks noChangeAspect="1"/>
-          </p:cNvPicPr>
-          <p:nvPr/>
-        </p:nvPicPr>
-        <p:blipFill rotWithShape="1">
-          <a:blip r:embed="rId2">
-            <a:extLst>
-              <a:ext uri="{28A0092B-C50C-407E-A947-70E740481C1C}">
-                <a14:useLocalDpi xmlns:a14="http://schemas.microsoft.com/office/drawing/2010/main" val="0"/>
-              </a:ext>
-            </a:extLst>
-          </a:blip>
-          <a:srcRect t="46409"/>
-          <a:stretch/>
-        </p:blipFill>
-        <p:spPr>
-          <a:xfrm>
-            <a:off x="6326559" y="0"/>
-            <a:ext cx="3205768" cy="6858000"/>
-          </a:xfrm>
-          <a:prstGeom prst="rect">
-            <a:avLst/>
-          </a:prstGeom>
-        </p:spPr>
-      </p:pic>
+                <a16:creationId xmlns:a16="http://schemas.microsoft.com/office/drawing/2014/main" id="{292CD5FC-89F7-415A-9C60-2A75020C96D3}"/>
+              </a:ext>
+            </a:extLst>
+          </p:cNvPr>
+          <p:cNvSpPr>
+            <a:spLocks noGrp="1"/>
+          </p:cNvSpPr>
+          <p:nvPr>
+            <p:ph type="ctrTitle"/>
+          </p:nvPr>
+        </p:nvSpPr>
+        <p:spPr/>
+        <p:txBody>
+          <a:bodyPr/>
+          <a:lstStyle/>
+          <a:p>
+            <a:r>
+              <a:rPr lang="zh-CN" altLang="en-US" dirty="0"/>
+              <a:t>用例图设计</a:t>
+            </a:r>
+          </a:p>
+        </p:txBody>
+      </p:sp>
+      <p:sp>
+        <p:nvSpPr>
+          <p:cNvPr id="3" name="副标题 2">
+            <a:extLst>
+              <a:ext uri="{FF2B5EF4-FFF2-40B4-BE49-F238E27FC236}">
+                <a16:creationId xmlns:a16="http://schemas.microsoft.com/office/drawing/2014/main" id="{683D1686-D942-49A1-8A7B-FF467437F581}"/>
+              </a:ext>
+            </a:extLst>
+          </p:cNvPr>
+          <p:cNvSpPr>
+            <a:spLocks noGrp="1"/>
+          </p:cNvSpPr>
+          <p:nvPr>
+            <p:ph type="subTitle" idx="1"/>
+          </p:nvPr>
+        </p:nvSpPr>
+        <p:spPr/>
+        <p:txBody>
+          <a:bodyPr/>
+          <a:lstStyle/>
+          <a:p>
+            <a:endParaRPr lang="zh-CN" altLang="en-US"/>
+          </a:p>
+        </p:txBody>
+      </p:sp>
     </p:spTree>
     <p:extLst>
       <p:ext uri="{BB962C8B-B14F-4D97-AF65-F5344CB8AC3E}">
-        <p14:creationId xmlns:p14="http://schemas.microsoft.com/office/powerpoint/2010/main" val="2715174594"/>
+        <p14:creationId xmlns:p14="http://schemas.microsoft.com/office/powerpoint/2010/main" val="2657769214"/>
       </p:ext>
     </p:extLst>
   </p:cSld>
@@ -4210,58 +3958,65 @@
           <p:cNvPr id="2" name="标题 1">
             <a:extLst>
               <a:ext uri="{FF2B5EF4-FFF2-40B4-BE49-F238E27FC236}">
-                <a16:creationId xmlns:a16="http://schemas.microsoft.com/office/drawing/2014/main" id="{292CD5FC-89F7-415A-9C60-2A75020C96D3}"/>
-              </a:ext>
-            </a:extLst>
-          </p:cNvPr>
-          <p:cNvSpPr>
-            <a:spLocks noGrp="1"/>
-          </p:cNvSpPr>
-          <p:nvPr>
-            <p:ph type="ctrTitle"/>
-          </p:nvPr>
-        </p:nvSpPr>
-        <p:spPr/>
-        <p:txBody>
-          <a:bodyPr/>
-          <a:lstStyle/>
-          <a:p>
-            <a:r>
-              <a:rPr lang="zh-CN" altLang="en-US" dirty="0"/>
-              <a:t>用例图设计</a:t>
-            </a:r>
-          </a:p>
-        </p:txBody>
-      </p:sp>
-      <p:sp>
-        <p:nvSpPr>
-          <p:cNvPr id="3" name="副标题 2">
-            <a:extLst>
-              <a:ext uri="{FF2B5EF4-FFF2-40B4-BE49-F238E27FC236}">
-                <a16:creationId xmlns:a16="http://schemas.microsoft.com/office/drawing/2014/main" id="{683D1686-D942-49A1-8A7B-FF467437F581}"/>
-              </a:ext>
-            </a:extLst>
-          </p:cNvPr>
-          <p:cNvSpPr>
-            <a:spLocks noGrp="1"/>
-          </p:cNvSpPr>
-          <p:nvPr>
-            <p:ph type="subTitle" idx="1"/>
-          </p:nvPr>
-        </p:nvSpPr>
-        <p:spPr/>
-        <p:txBody>
-          <a:bodyPr/>
-          <a:lstStyle/>
-          <a:p>
-            <a:endParaRPr lang="zh-CN" altLang="en-US"/>
-          </a:p>
-        </p:txBody>
-      </p:sp>
+                <a16:creationId xmlns:a16="http://schemas.microsoft.com/office/drawing/2014/main" id="{70AB8580-5B6A-410A-9991-0DF7AEA07A46}"/>
+              </a:ext>
+            </a:extLst>
+          </p:cNvPr>
+          <p:cNvSpPr>
+            <a:spLocks noGrp="1"/>
+          </p:cNvSpPr>
+          <p:nvPr>
+            <p:ph type="title"/>
+          </p:nvPr>
+        </p:nvSpPr>
+        <p:spPr/>
+        <p:txBody>
+          <a:bodyPr/>
+          <a:lstStyle/>
+          <a:p>
+            <a:endParaRPr lang="zh-CN" altLang="en-US"/>
+          </a:p>
+        </p:txBody>
+      </p:sp>
+      <p:pic>
+        <p:nvPicPr>
+          <p:cNvPr id="5" name="内容占位符 4">
+            <a:extLst>
+              <a:ext uri="{FF2B5EF4-FFF2-40B4-BE49-F238E27FC236}">
+                <a16:creationId xmlns:a16="http://schemas.microsoft.com/office/drawing/2014/main" id="{F4537471-2CFE-456E-B2E5-D5478DBB79E0}"/>
+              </a:ext>
+            </a:extLst>
+          </p:cNvPr>
+          <p:cNvPicPr>
+            <a:picLocks noGrp="1" noChangeAspect="1"/>
+          </p:cNvPicPr>
+          <p:nvPr>
+            <p:ph idx="1"/>
+          </p:nvPr>
+        </p:nvPicPr>
+        <p:blipFill>
+          <a:blip r:embed="rId2">
+            <a:extLst>
+              <a:ext uri="{28A0092B-C50C-407E-A947-70E740481C1C}">
+                <a14:useLocalDpi xmlns:a14="http://schemas.microsoft.com/office/drawing/2010/main" val="0"/>
+              </a:ext>
+            </a:extLst>
+          </a:blip>
+          <a:stretch>
+            <a:fillRect/>
+          </a:stretch>
+        </p:blipFill>
+        <p:spPr>
+          <a:xfrm>
+            <a:off x="5197408" y="1161121"/>
+            <a:ext cx="2711180" cy="4223184"/>
+          </a:xfrm>
+        </p:spPr>
+      </p:pic>
     </p:spTree>
     <p:extLst>
       <p:ext uri="{BB962C8B-B14F-4D97-AF65-F5344CB8AC3E}">
-        <p14:creationId xmlns:p14="http://schemas.microsoft.com/office/powerpoint/2010/main" val="2657769214"/>
+        <p14:creationId xmlns:p14="http://schemas.microsoft.com/office/powerpoint/2010/main" val="1310851613"/>
       </p:ext>
     </p:extLst>
   </p:cSld>
@@ -4293,7 +4048,7 @@
           <p:cNvPr id="2" name="标题 1">
             <a:extLst>
               <a:ext uri="{FF2B5EF4-FFF2-40B4-BE49-F238E27FC236}">
-                <a16:creationId xmlns:a16="http://schemas.microsoft.com/office/drawing/2014/main" id="{70AB8580-5B6A-410A-9991-0DF7AEA07A46}"/>
+                <a16:creationId xmlns:a16="http://schemas.microsoft.com/office/drawing/2014/main" id="{C5EBE412-0F80-493C-B1E3-44FC33007475}"/>
               </a:ext>
             </a:extLst>
           </p:cNvPr>
@@ -4318,7 +4073,7 @@
           <p:cNvPr id="5" name="内容占位符 4">
             <a:extLst>
               <a:ext uri="{FF2B5EF4-FFF2-40B4-BE49-F238E27FC236}">
-                <a16:creationId xmlns:a16="http://schemas.microsoft.com/office/drawing/2014/main" id="{F4537471-2CFE-456E-B2E5-D5478DBB79E0}"/>
+                <a16:creationId xmlns:a16="http://schemas.microsoft.com/office/drawing/2014/main" id="{5C4D0072-F697-4FD0-9EFF-A90C270175D5}"/>
               </a:ext>
             </a:extLst>
           </p:cNvPr>
@@ -4343,15 +4098,15 @@
         </p:blipFill>
         <p:spPr>
           <a:xfrm>
-            <a:off x="5197408" y="1161121"/>
-            <a:ext cx="2711180" cy="4223184"/>
+            <a:off x="90892" y="1301582"/>
+            <a:ext cx="12010216" cy="3678980"/>
           </a:xfrm>
         </p:spPr>
       </p:pic>
     </p:spTree>
     <p:extLst>
       <p:ext uri="{BB962C8B-B14F-4D97-AF65-F5344CB8AC3E}">
-        <p14:creationId xmlns:p14="http://schemas.microsoft.com/office/powerpoint/2010/main" val="1310851613"/>
+        <p14:creationId xmlns:p14="http://schemas.microsoft.com/office/powerpoint/2010/main" val="4030403103"/>
       </p:ext>
     </p:extLst>
   </p:cSld>
@@ -4383,7 +4138,7 @@
           <p:cNvPr id="2" name="标题 1">
             <a:extLst>
               <a:ext uri="{FF2B5EF4-FFF2-40B4-BE49-F238E27FC236}">
-                <a16:creationId xmlns:a16="http://schemas.microsoft.com/office/drawing/2014/main" id="{C5EBE412-0F80-493C-B1E3-44FC33007475}"/>
+                <a16:creationId xmlns:a16="http://schemas.microsoft.com/office/drawing/2014/main" id="{1E847BF4-53FB-47C4-BB17-34D681A79FFC}"/>
               </a:ext>
             </a:extLst>
           </p:cNvPr>
@@ -4408,7 +4163,7 @@
           <p:cNvPr id="5" name="内容占位符 4">
             <a:extLst>
               <a:ext uri="{FF2B5EF4-FFF2-40B4-BE49-F238E27FC236}">
-                <a16:creationId xmlns:a16="http://schemas.microsoft.com/office/drawing/2014/main" id="{5C4D0072-F697-4FD0-9EFF-A90C270175D5}"/>
+                <a16:creationId xmlns:a16="http://schemas.microsoft.com/office/drawing/2014/main" id="{7FC6D1CF-E82B-441D-BA10-D4B84A8A650B}"/>
               </a:ext>
             </a:extLst>
           </p:cNvPr>
@@ -4433,15 +4188,15 @@
         </p:blipFill>
         <p:spPr>
           <a:xfrm>
-            <a:off x="90892" y="1301582"/>
-            <a:ext cx="12010216" cy="3678980"/>
+            <a:off x="3769012" y="1352672"/>
+            <a:ext cx="4653976" cy="4532951"/>
           </a:xfrm>
         </p:spPr>
       </p:pic>
     </p:spTree>
     <p:extLst>
       <p:ext uri="{BB962C8B-B14F-4D97-AF65-F5344CB8AC3E}">
-        <p14:creationId xmlns:p14="http://schemas.microsoft.com/office/powerpoint/2010/main" val="4030403103"/>
+        <p14:creationId xmlns:p14="http://schemas.microsoft.com/office/powerpoint/2010/main" val="247196184"/>
       </p:ext>
     </p:extLst>
   </p:cSld>
@@ -4473,7 +4228,7 @@
           <p:cNvPr id="2" name="标题 1">
             <a:extLst>
               <a:ext uri="{FF2B5EF4-FFF2-40B4-BE49-F238E27FC236}">
-                <a16:creationId xmlns:a16="http://schemas.microsoft.com/office/drawing/2014/main" id="{1E847BF4-53FB-47C4-BB17-34D681A79FFC}"/>
+                <a16:creationId xmlns:a16="http://schemas.microsoft.com/office/drawing/2014/main" id="{7F99FF34-5784-445D-8A65-1525461053E0}"/>
               </a:ext>
             </a:extLst>
           </p:cNvPr>
@@ -4498,7 +4253,7 @@
           <p:cNvPr id="5" name="内容占位符 4">
             <a:extLst>
               <a:ext uri="{FF2B5EF4-FFF2-40B4-BE49-F238E27FC236}">
-                <a16:creationId xmlns:a16="http://schemas.microsoft.com/office/drawing/2014/main" id="{7FC6D1CF-E82B-441D-BA10-D4B84A8A650B}"/>
+                <a16:creationId xmlns:a16="http://schemas.microsoft.com/office/drawing/2014/main" id="{9EF91C78-D426-4839-8579-49F6D1658B3C}"/>
               </a:ext>
             </a:extLst>
           </p:cNvPr>
@@ -4523,15 +4278,15 @@
         </p:blipFill>
         <p:spPr>
           <a:xfrm>
-            <a:off x="3769012" y="1352672"/>
-            <a:ext cx="4653976" cy="4532951"/>
+            <a:off x="3987630" y="1352533"/>
+            <a:ext cx="4556906" cy="4493791"/>
           </a:xfrm>
         </p:spPr>
       </p:pic>
     </p:spTree>
     <p:extLst>
       <p:ext uri="{BB962C8B-B14F-4D97-AF65-F5344CB8AC3E}">
-        <p14:creationId xmlns:p14="http://schemas.microsoft.com/office/powerpoint/2010/main" val="247196184"/>
+        <p14:creationId xmlns:p14="http://schemas.microsoft.com/office/powerpoint/2010/main" val="1914079089"/>
       </p:ext>
     </p:extLst>
   </p:cSld>
@@ -4563,7 +4318,7 @@
           <p:cNvPr id="2" name="标题 1">
             <a:extLst>
               <a:ext uri="{FF2B5EF4-FFF2-40B4-BE49-F238E27FC236}">
-                <a16:creationId xmlns:a16="http://schemas.microsoft.com/office/drawing/2014/main" id="{7F99FF34-5784-445D-8A65-1525461053E0}"/>
+                <a16:creationId xmlns:a16="http://schemas.microsoft.com/office/drawing/2014/main" id="{BED406D5-A266-45AE-8F4E-B4AF09963B27}"/>
               </a:ext>
             </a:extLst>
           </p:cNvPr>
@@ -4588,7 +4343,7 @@
           <p:cNvPr id="5" name="内容占位符 4">
             <a:extLst>
               <a:ext uri="{FF2B5EF4-FFF2-40B4-BE49-F238E27FC236}">
-                <a16:creationId xmlns:a16="http://schemas.microsoft.com/office/drawing/2014/main" id="{9EF91C78-D426-4839-8579-49F6D1658B3C}"/>
+                <a16:creationId xmlns:a16="http://schemas.microsoft.com/office/drawing/2014/main" id="{75477D55-22FB-4416-A315-0E825CF57994}"/>
               </a:ext>
             </a:extLst>
           </p:cNvPr>
@@ -4613,15 +4368,15 @@
         </p:blipFill>
         <p:spPr>
           <a:xfrm>
-            <a:off x="3987630" y="1352533"/>
-            <a:ext cx="4556906" cy="4493791"/>
+            <a:off x="4064906" y="1130900"/>
+            <a:ext cx="4446797" cy="5151354"/>
           </a:xfrm>
         </p:spPr>
       </p:pic>
     </p:spTree>
     <p:extLst>
       <p:ext uri="{BB962C8B-B14F-4D97-AF65-F5344CB8AC3E}">
-        <p14:creationId xmlns:p14="http://schemas.microsoft.com/office/powerpoint/2010/main" val="1914079089"/>
+        <p14:creationId xmlns:p14="http://schemas.microsoft.com/office/powerpoint/2010/main" val="888656514"/>
       </p:ext>
     </p:extLst>
   </p:cSld>

--- a/platform-design/design-docs/教学辅助平台用例图&功能划分.pptx
+++ b/platform-design/design-docs/教学辅助平台用例图&功能划分.pptx
@@ -6,14 +6,14 @@
   </p:sldMasterIdLst>
   <p:sldIdLst>
     <p:sldId id="256" r:id="rId2"/>
-    <p:sldId id="257" r:id="rId3"/>
-    <p:sldId id="259" r:id="rId4"/>
-    <p:sldId id="260" r:id="rId5"/>
-    <p:sldId id="261" r:id="rId6"/>
-    <p:sldId id="262" r:id="rId7"/>
-    <p:sldId id="263" r:id="rId8"/>
-    <p:sldId id="264" r:id="rId9"/>
-    <p:sldId id="265" r:id="rId10"/>
+    <p:sldId id="269" r:id="rId3"/>
+    <p:sldId id="260" r:id="rId4"/>
+    <p:sldId id="261" r:id="rId5"/>
+    <p:sldId id="262" r:id="rId6"/>
+    <p:sldId id="263" r:id="rId7"/>
+    <p:sldId id="264" r:id="rId8"/>
+    <p:sldId id="265" r:id="rId9"/>
+    <p:sldId id="270" r:id="rId10"/>
     <p:sldId id="266" r:id="rId11"/>
     <p:sldId id="267" r:id="rId12"/>
     <p:sldId id="268" r:id="rId13"/>
@@ -270,7 +270,7 @@
           <a:p>
             <a:fld id="{038794ED-9C1C-4BB6-8F20-8D24D174724E}" type="datetimeFigureOut">
               <a:rPr lang="zh-CN" altLang="en-US" smtClean="0"/>
-              <a:t>2024/4/2</a:t>
+              <a:t>2024/4/5</a:t>
             </a:fld>
             <a:endParaRPr lang="zh-CN" altLang="en-US"/>
           </a:p>
@@ -468,7 +468,7 @@
           <a:p>
             <a:fld id="{038794ED-9C1C-4BB6-8F20-8D24D174724E}" type="datetimeFigureOut">
               <a:rPr lang="zh-CN" altLang="en-US" smtClean="0"/>
-              <a:t>2024/4/2</a:t>
+              <a:t>2024/4/5</a:t>
             </a:fld>
             <a:endParaRPr lang="zh-CN" altLang="en-US"/>
           </a:p>
@@ -676,7 +676,7 @@
           <a:p>
             <a:fld id="{038794ED-9C1C-4BB6-8F20-8D24D174724E}" type="datetimeFigureOut">
               <a:rPr lang="zh-CN" altLang="en-US" smtClean="0"/>
-              <a:t>2024/4/2</a:t>
+              <a:t>2024/4/5</a:t>
             </a:fld>
             <a:endParaRPr lang="zh-CN" altLang="en-US"/>
           </a:p>
@@ -874,7 +874,7 @@
           <a:p>
             <a:fld id="{038794ED-9C1C-4BB6-8F20-8D24D174724E}" type="datetimeFigureOut">
               <a:rPr lang="zh-CN" altLang="en-US" smtClean="0"/>
-              <a:t>2024/4/2</a:t>
+              <a:t>2024/4/5</a:t>
             </a:fld>
             <a:endParaRPr lang="zh-CN" altLang="en-US"/>
           </a:p>
@@ -1149,7 +1149,7 @@
           <a:p>
             <a:fld id="{038794ED-9C1C-4BB6-8F20-8D24D174724E}" type="datetimeFigureOut">
               <a:rPr lang="zh-CN" altLang="en-US" smtClean="0"/>
-              <a:t>2024/4/2</a:t>
+              <a:t>2024/4/5</a:t>
             </a:fld>
             <a:endParaRPr lang="zh-CN" altLang="en-US"/>
           </a:p>
@@ -1414,7 +1414,7 @@
           <a:p>
             <a:fld id="{038794ED-9C1C-4BB6-8F20-8D24D174724E}" type="datetimeFigureOut">
               <a:rPr lang="zh-CN" altLang="en-US" smtClean="0"/>
-              <a:t>2024/4/2</a:t>
+              <a:t>2024/4/5</a:t>
             </a:fld>
             <a:endParaRPr lang="zh-CN" altLang="en-US"/>
           </a:p>
@@ -1826,7 +1826,7 @@
           <a:p>
             <a:fld id="{038794ED-9C1C-4BB6-8F20-8D24D174724E}" type="datetimeFigureOut">
               <a:rPr lang="zh-CN" altLang="en-US" smtClean="0"/>
-              <a:t>2024/4/2</a:t>
+              <a:t>2024/4/5</a:t>
             </a:fld>
             <a:endParaRPr lang="zh-CN" altLang="en-US"/>
           </a:p>
@@ -1967,7 +1967,7 @@
           <a:p>
             <a:fld id="{038794ED-9C1C-4BB6-8F20-8D24D174724E}" type="datetimeFigureOut">
               <a:rPr lang="zh-CN" altLang="en-US" smtClean="0"/>
-              <a:t>2024/4/2</a:t>
+              <a:t>2024/4/5</a:t>
             </a:fld>
             <a:endParaRPr lang="zh-CN" altLang="en-US"/>
           </a:p>
@@ -2080,7 +2080,7 @@
           <a:p>
             <a:fld id="{038794ED-9C1C-4BB6-8F20-8D24D174724E}" type="datetimeFigureOut">
               <a:rPr lang="zh-CN" altLang="en-US" smtClean="0"/>
-              <a:t>2024/4/2</a:t>
+              <a:t>2024/4/5</a:t>
             </a:fld>
             <a:endParaRPr lang="zh-CN" altLang="en-US"/>
           </a:p>
@@ -2391,7 +2391,7 @@
           <a:p>
             <a:fld id="{038794ED-9C1C-4BB6-8F20-8D24D174724E}" type="datetimeFigureOut">
               <a:rPr lang="zh-CN" altLang="en-US" smtClean="0"/>
-              <a:t>2024/4/2</a:t>
+              <a:t>2024/4/5</a:t>
             </a:fld>
             <a:endParaRPr lang="zh-CN" altLang="en-US"/>
           </a:p>
@@ -2679,7 +2679,7 @@
           <a:p>
             <a:fld id="{038794ED-9C1C-4BB6-8F20-8D24D174724E}" type="datetimeFigureOut">
               <a:rPr lang="zh-CN" altLang="en-US" smtClean="0"/>
-              <a:t>2024/4/2</a:t>
+              <a:t>2024/4/5</a:t>
             </a:fld>
             <a:endParaRPr lang="zh-CN" altLang="en-US"/>
           </a:p>
@@ -2920,7 +2920,7 @@
           <a:p>
             <a:fld id="{038794ED-9C1C-4BB6-8F20-8D24D174724E}" type="datetimeFigureOut">
               <a:rPr lang="zh-CN" altLang="en-US" smtClean="0"/>
-              <a:t>2024/4/2</a:t>
+              <a:t>2024/4/5</a:t>
             </a:fld>
             <a:endParaRPr lang="zh-CN" altLang="en-US"/>
           </a:p>
@@ -3420,37 +3420,12 @@
           <a:chExt cx="0" cy="0"/>
         </a:xfrm>
       </p:grpSpPr>
-      <p:sp>
-        <p:nvSpPr>
-          <p:cNvPr id="2" name="标题 1">
-            <a:extLst>
-              <a:ext uri="{FF2B5EF4-FFF2-40B4-BE49-F238E27FC236}">
-                <a16:creationId xmlns:a16="http://schemas.microsoft.com/office/drawing/2014/main" id="{DB136210-A218-424D-8330-9BF5314BEAA7}"/>
-              </a:ext>
-            </a:extLst>
-          </p:cNvPr>
-          <p:cNvSpPr>
-            <a:spLocks noGrp="1"/>
-          </p:cNvSpPr>
-          <p:nvPr>
-            <p:ph type="title"/>
-          </p:nvPr>
-        </p:nvSpPr>
-        <p:spPr/>
-        <p:txBody>
-          <a:bodyPr/>
-          <a:lstStyle/>
-          <a:p>
-            <a:endParaRPr lang="zh-CN" altLang="en-US"/>
-          </a:p>
-        </p:txBody>
-      </p:sp>
       <p:pic>
         <p:nvPicPr>
-          <p:cNvPr id="5" name="内容占位符 4">
-            <a:extLst>
-              <a:ext uri="{FF2B5EF4-FFF2-40B4-BE49-F238E27FC236}">
-                <a16:creationId xmlns:a16="http://schemas.microsoft.com/office/drawing/2014/main" id="{2B47929A-4B5E-4C32-A81B-3EB6E9243616}"/>
+          <p:cNvPr id="7" name="内容占位符 6">
+            <a:extLst>
+              <a:ext uri="{FF2B5EF4-FFF2-40B4-BE49-F238E27FC236}">
+                <a16:creationId xmlns:a16="http://schemas.microsoft.com/office/drawing/2014/main" id="{88B850B7-6BD5-4637-AD14-2ED39329DF0C}"/>
               </a:ext>
             </a:extLst>
           </p:cNvPr>
@@ -3466,6 +3441,9 @@
             <a:extLst>
               <a:ext uri="{28A0092B-C50C-407E-A947-70E740481C1C}">
                 <a14:useLocalDpi xmlns:a14="http://schemas.microsoft.com/office/drawing/2010/main" val="0"/>
+              </a:ext>
+              <a:ext uri="{96DAC541-7B7A-43D3-8B79-37D633B846F1}">
+                <asvg:svgBlip xmlns:asvg="http://schemas.microsoft.com/office/drawing/2016/SVG/main" r:embed="rId3"/>
               </a:ext>
             </a:extLst>
           </a:blip>
@@ -3475,8 +3453,8 @@
         </p:blipFill>
         <p:spPr>
           <a:xfrm>
-            <a:off x="3028955" y="616873"/>
-            <a:ext cx="6663164" cy="5876002"/>
+            <a:off x="3076195" y="1043654"/>
+            <a:ext cx="5706152" cy="4644543"/>
           </a:xfrm>
         </p:spPr>
       </p:pic>
@@ -3510,52 +3488,28 @@
           <a:chExt cx="0" cy="0"/>
         </a:xfrm>
       </p:grpSpPr>
-      <p:sp>
-        <p:nvSpPr>
-          <p:cNvPr id="2" name="标题 1">
-            <a:extLst>
-              <a:ext uri="{FF2B5EF4-FFF2-40B4-BE49-F238E27FC236}">
-                <a16:creationId xmlns:a16="http://schemas.microsoft.com/office/drawing/2014/main" id="{AA8B0044-9FF3-4654-80CC-86326D220E60}"/>
-              </a:ext>
-            </a:extLst>
-          </p:cNvPr>
-          <p:cNvSpPr>
-            <a:spLocks noGrp="1"/>
-          </p:cNvSpPr>
-          <p:nvPr>
-            <p:ph type="title"/>
-          </p:nvPr>
-        </p:nvSpPr>
-        <p:spPr/>
-        <p:txBody>
-          <a:bodyPr/>
-          <a:lstStyle/>
-          <a:p>
-            <a:endParaRPr lang="zh-CN" altLang="en-US"/>
-          </a:p>
-        </p:txBody>
-      </p:sp>
       <p:pic>
         <p:nvPicPr>
-          <p:cNvPr id="5" name="内容占位符 4">
-            <a:extLst>
-              <a:ext uri="{FF2B5EF4-FFF2-40B4-BE49-F238E27FC236}">
-                <a16:creationId xmlns:a16="http://schemas.microsoft.com/office/drawing/2014/main" id="{C779EA08-E16B-4261-91B0-B8ABA50B262D}"/>
+          <p:cNvPr id="4" name="图形 3">
+            <a:extLst>
+              <a:ext uri="{FF2B5EF4-FFF2-40B4-BE49-F238E27FC236}">
+                <a16:creationId xmlns:a16="http://schemas.microsoft.com/office/drawing/2014/main" id="{A57CB69B-68CD-41AF-84BC-885468ACDFE5}"/>
               </a:ext>
             </a:extLst>
           </p:cNvPr>
           <p:cNvPicPr>
-            <a:picLocks noGrp="1" noChangeAspect="1"/>
+            <a:picLocks noChangeAspect="1"/>
           </p:cNvPicPr>
-          <p:nvPr>
-            <p:ph idx="1"/>
-          </p:nvPr>
+          <p:nvPr/>
         </p:nvPicPr>
         <p:blipFill>
           <a:blip r:embed="rId2">
             <a:extLst>
               <a:ext uri="{28A0092B-C50C-407E-A947-70E740481C1C}">
                 <a14:useLocalDpi xmlns:a14="http://schemas.microsoft.com/office/drawing/2010/main" val="0"/>
+              </a:ext>
+              <a:ext uri="{96DAC541-7B7A-43D3-8B79-37D633B846F1}">
+                <asvg:svgBlip xmlns:asvg="http://schemas.microsoft.com/office/drawing/2016/SVG/main" r:embed="rId3"/>
               </a:ext>
             </a:extLst>
           </a:blip>
@@ -3565,9 +3519,12 @@
         </p:blipFill>
         <p:spPr>
           <a:xfrm>
-            <a:off x="2683620" y="632884"/>
-            <a:ext cx="6460380" cy="5592231"/>
+            <a:off x="3667618" y="1501042"/>
+            <a:ext cx="4544076" cy="3663742"/>
           </a:xfrm>
+          <a:prstGeom prst="rect">
+            <a:avLst/>
+          </a:prstGeom>
         </p:spPr>
       </p:pic>
     </p:spTree>
@@ -3600,37 +3557,12 @@
           <a:chExt cx="0" cy="0"/>
         </a:xfrm>
       </p:grpSpPr>
-      <p:sp>
-        <p:nvSpPr>
-          <p:cNvPr id="2" name="标题 1">
-            <a:extLst>
-              <a:ext uri="{FF2B5EF4-FFF2-40B4-BE49-F238E27FC236}">
-                <a16:creationId xmlns:a16="http://schemas.microsoft.com/office/drawing/2014/main" id="{D3F724F2-4141-4B71-B6D9-389DD5484CE4}"/>
-              </a:ext>
-            </a:extLst>
-          </p:cNvPr>
-          <p:cNvSpPr>
-            <a:spLocks noGrp="1"/>
-          </p:cNvSpPr>
-          <p:nvPr>
-            <p:ph type="title"/>
-          </p:nvPr>
-        </p:nvSpPr>
-        <p:spPr/>
-        <p:txBody>
-          <a:bodyPr/>
-          <a:lstStyle/>
-          <a:p>
-            <a:endParaRPr lang="zh-CN" altLang="en-US"/>
-          </a:p>
-        </p:txBody>
-      </p:sp>
       <p:pic>
         <p:nvPicPr>
-          <p:cNvPr id="5" name="内容占位符 4">
-            <a:extLst>
-              <a:ext uri="{FF2B5EF4-FFF2-40B4-BE49-F238E27FC236}">
-                <a16:creationId xmlns:a16="http://schemas.microsoft.com/office/drawing/2014/main" id="{74901008-D38F-4CDE-A330-DA4CB2A276D3}"/>
+          <p:cNvPr id="7" name="内容占位符 6">
+            <a:extLst>
+              <a:ext uri="{FF2B5EF4-FFF2-40B4-BE49-F238E27FC236}">
+                <a16:creationId xmlns:a16="http://schemas.microsoft.com/office/drawing/2014/main" id="{928DFD6E-1C06-43AE-A351-8883F53D8CA3}"/>
               </a:ext>
             </a:extLst>
           </p:cNvPr>
@@ -3646,6 +3578,9 @@
             <a:extLst>
               <a:ext uri="{28A0092B-C50C-407E-A947-70E740481C1C}">
                 <a14:useLocalDpi xmlns:a14="http://schemas.microsoft.com/office/drawing/2010/main" val="0"/>
+              </a:ext>
+              <a:ext uri="{96DAC541-7B7A-43D3-8B79-37D633B846F1}">
+                <asvg:svgBlip xmlns:asvg="http://schemas.microsoft.com/office/drawing/2016/SVG/main" r:embed="rId3"/>
               </a:ext>
             </a:extLst>
           </a:blip>
@@ -3655,8 +3590,8 @@
         </p:blipFill>
         <p:spPr>
           <a:xfrm>
-            <a:off x="3561944" y="1235607"/>
-            <a:ext cx="5669078" cy="4386786"/>
+            <a:off x="4005459" y="1774513"/>
+            <a:ext cx="4615126" cy="3574326"/>
           </a:xfrm>
         </p:spPr>
       </p:pic>
@@ -3690,37 +3625,12 @@
           <a:chExt cx="0" cy="0"/>
         </a:xfrm>
       </p:grpSpPr>
-      <p:sp>
-        <p:nvSpPr>
-          <p:cNvPr id="2" name="标题 1">
-            <a:extLst>
-              <a:ext uri="{FF2B5EF4-FFF2-40B4-BE49-F238E27FC236}">
-                <a16:creationId xmlns:a16="http://schemas.microsoft.com/office/drawing/2014/main" id="{43D8F276-F25F-4FD5-8FDC-5B93E2095C9B}"/>
-              </a:ext>
-            </a:extLst>
-          </p:cNvPr>
-          <p:cNvSpPr>
-            <a:spLocks noGrp="1"/>
-          </p:cNvSpPr>
-          <p:nvPr>
-            <p:ph type="title"/>
-          </p:nvPr>
-        </p:nvSpPr>
-        <p:spPr/>
-        <p:txBody>
-          <a:bodyPr/>
-          <a:lstStyle/>
-          <a:p>
-            <a:endParaRPr lang="zh-CN" altLang="en-US" dirty="0"/>
-          </a:p>
-        </p:txBody>
-      </p:sp>
       <p:pic>
         <p:nvPicPr>
           <p:cNvPr id="5" name="内容占位符 4">
             <a:extLst>
               <a:ext uri="{FF2B5EF4-FFF2-40B4-BE49-F238E27FC236}">
-                <a16:creationId xmlns:a16="http://schemas.microsoft.com/office/drawing/2014/main" id="{70E5401E-5003-4F30-8E41-D537630E6705}"/>
+                <a16:creationId xmlns:a16="http://schemas.microsoft.com/office/drawing/2014/main" id="{849B2252-84C2-4728-BCAC-8F5D14457C1E}"/>
               </a:ext>
             </a:extLst>
           </p:cNvPr>
@@ -3736,6 +3646,9 @@
             <a:extLst>
               <a:ext uri="{28A0092B-C50C-407E-A947-70E740481C1C}">
                 <a14:useLocalDpi xmlns:a14="http://schemas.microsoft.com/office/drawing/2010/main" val="0"/>
+              </a:ext>
+              <a:ext uri="{96DAC541-7B7A-43D3-8B79-37D633B846F1}">
+                <asvg:svgBlip xmlns:asvg="http://schemas.microsoft.com/office/drawing/2016/SVG/main" r:embed="rId3"/>
               </a:ext>
             </a:extLst>
           </a:blip>
@@ -3745,15 +3658,15 @@
         </p:blipFill>
         <p:spPr>
           <a:xfrm>
-            <a:off x="96721" y="2259549"/>
-            <a:ext cx="11842916" cy="2183260"/>
+            <a:off x="156305" y="1299673"/>
+            <a:ext cx="12035695" cy="4148889"/>
           </a:xfrm>
         </p:spPr>
       </p:pic>
     </p:spTree>
     <p:extLst>
       <p:ext uri="{BB962C8B-B14F-4D97-AF65-F5344CB8AC3E}">
-        <p14:creationId xmlns:p14="http://schemas.microsoft.com/office/powerpoint/2010/main" val="590302564"/>
+        <p14:creationId xmlns:p14="http://schemas.microsoft.com/office/powerpoint/2010/main" val="1889002333"/>
       </p:ext>
     </p:extLst>
   </p:cSld>
@@ -3785,15 +3698,15 @@
           <p:cNvPr id="2" name="标题 1">
             <a:extLst>
               <a:ext uri="{FF2B5EF4-FFF2-40B4-BE49-F238E27FC236}">
-                <a16:creationId xmlns:a16="http://schemas.microsoft.com/office/drawing/2014/main" id="{A5EEB658-CD48-4E89-B00E-ECFA3F91E1A5}"/>
-              </a:ext>
-            </a:extLst>
-          </p:cNvPr>
-          <p:cNvSpPr>
-            <a:spLocks noGrp="1"/>
-          </p:cNvSpPr>
-          <p:nvPr>
-            <p:ph type="title"/>
+                <a16:creationId xmlns:a16="http://schemas.microsoft.com/office/drawing/2014/main" id="{292CD5FC-89F7-415A-9C60-2A75020C96D3}"/>
+              </a:ext>
+            </a:extLst>
+          </p:cNvPr>
+          <p:cNvSpPr>
+            <a:spLocks noGrp="1"/>
+          </p:cNvSpPr>
+          <p:nvPr>
+            <p:ph type="ctrTitle"/>
           </p:nvPr>
         </p:nvSpPr>
         <p:spPr/>
@@ -3801,49 +3714,42 @@
           <a:bodyPr/>
           <a:lstStyle/>
           <a:p>
+            <a:r>
+              <a:rPr lang="zh-CN" altLang="en-US" dirty="0"/>
+              <a:t>用例图设计</a:t>
+            </a:r>
+          </a:p>
+        </p:txBody>
+      </p:sp>
+      <p:sp>
+        <p:nvSpPr>
+          <p:cNvPr id="3" name="副标题 2">
+            <a:extLst>
+              <a:ext uri="{FF2B5EF4-FFF2-40B4-BE49-F238E27FC236}">
+                <a16:creationId xmlns:a16="http://schemas.microsoft.com/office/drawing/2014/main" id="{683D1686-D942-49A1-8A7B-FF467437F581}"/>
+              </a:ext>
+            </a:extLst>
+          </p:cNvPr>
+          <p:cNvSpPr>
+            <a:spLocks noGrp="1"/>
+          </p:cNvSpPr>
+          <p:nvPr>
+            <p:ph type="subTitle" idx="1"/>
+          </p:nvPr>
+        </p:nvSpPr>
+        <p:spPr/>
+        <p:txBody>
+          <a:bodyPr/>
+          <a:lstStyle/>
+          <a:p>
             <a:endParaRPr lang="zh-CN" altLang="en-US"/>
           </a:p>
         </p:txBody>
       </p:sp>
-      <p:pic>
-        <p:nvPicPr>
-          <p:cNvPr id="5" name="内容占位符 4">
-            <a:extLst>
-              <a:ext uri="{FF2B5EF4-FFF2-40B4-BE49-F238E27FC236}">
-                <a16:creationId xmlns:a16="http://schemas.microsoft.com/office/drawing/2014/main" id="{6FFB1B9C-FD50-4DD6-90F1-BC93FD3F4EE8}"/>
-              </a:ext>
-            </a:extLst>
-          </p:cNvPr>
-          <p:cNvPicPr>
-            <a:picLocks noGrp="1" noChangeAspect="1"/>
-          </p:cNvPicPr>
-          <p:nvPr>
-            <p:ph idx="1"/>
-          </p:nvPr>
-        </p:nvPicPr>
-        <p:blipFill>
-          <a:blip r:embed="rId2">
-            <a:extLst>
-              <a:ext uri="{28A0092B-C50C-407E-A947-70E740481C1C}">
-                <a14:useLocalDpi xmlns:a14="http://schemas.microsoft.com/office/drawing/2010/main" val="0"/>
-              </a:ext>
-            </a:extLst>
-          </a:blip>
-          <a:stretch>
-            <a:fillRect/>
-          </a:stretch>
-        </p:blipFill>
-        <p:spPr>
-          <a:xfrm>
-            <a:off x="82307" y="1027906"/>
-            <a:ext cx="12027385" cy="4722830"/>
-          </a:xfrm>
-        </p:spPr>
-      </p:pic>
     </p:spTree>
     <p:extLst>
       <p:ext uri="{BB962C8B-B14F-4D97-AF65-F5344CB8AC3E}">
-        <p14:creationId xmlns:p14="http://schemas.microsoft.com/office/powerpoint/2010/main" val="4242667810"/>
+        <p14:creationId xmlns:p14="http://schemas.microsoft.com/office/powerpoint/2010/main" val="2657769214"/>
       </p:ext>
     </p:extLst>
   </p:cSld>
@@ -3870,63 +3776,48 @@
           <a:chExt cx="0" cy="0"/>
         </a:xfrm>
       </p:grpSpPr>
-      <p:sp>
-        <p:nvSpPr>
-          <p:cNvPr id="2" name="标题 1">
-            <a:extLst>
-              <a:ext uri="{FF2B5EF4-FFF2-40B4-BE49-F238E27FC236}">
-                <a16:creationId xmlns:a16="http://schemas.microsoft.com/office/drawing/2014/main" id="{292CD5FC-89F7-415A-9C60-2A75020C96D3}"/>
-              </a:ext>
-            </a:extLst>
-          </p:cNvPr>
-          <p:cNvSpPr>
-            <a:spLocks noGrp="1"/>
-          </p:cNvSpPr>
-          <p:nvPr>
-            <p:ph type="ctrTitle"/>
-          </p:nvPr>
-        </p:nvSpPr>
-        <p:spPr/>
-        <p:txBody>
-          <a:bodyPr/>
-          <a:lstStyle/>
-          <a:p>
-            <a:r>
-              <a:rPr lang="zh-CN" altLang="en-US" dirty="0"/>
-              <a:t>用例图设计</a:t>
-            </a:r>
-          </a:p>
-        </p:txBody>
-      </p:sp>
-      <p:sp>
-        <p:nvSpPr>
-          <p:cNvPr id="3" name="副标题 2">
-            <a:extLst>
-              <a:ext uri="{FF2B5EF4-FFF2-40B4-BE49-F238E27FC236}">
-                <a16:creationId xmlns:a16="http://schemas.microsoft.com/office/drawing/2014/main" id="{683D1686-D942-49A1-8A7B-FF467437F581}"/>
-              </a:ext>
-            </a:extLst>
-          </p:cNvPr>
-          <p:cNvSpPr>
-            <a:spLocks noGrp="1"/>
-          </p:cNvSpPr>
-          <p:nvPr>
-            <p:ph type="subTitle" idx="1"/>
-          </p:nvPr>
-        </p:nvSpPr>
-        <p:spPr/>
-        <p:txBody>
-          <a:bodyPr/>
-          <a:lstStyle/>
-          <a:p>
-            <a:endParaRPr lang="zh-CN" altLang="en-US"/>
-          </a:p>
-        </p:txBody>
-      </p:sp>
+      <p:pic>
+        <p:nvPicPr>
+          <p:cNvPr id="7" name="内容占位符 6">
+            <a:extLst>
+              <a:ext uri="{FF2B5EF4-FFF2-40B4-BE49-F238E27FC236}">
+                <a16:creationId xmlns:a16="http://schemas.microsoft.com/office/drawing/2014/main" id="{3CE0651A-E90E-498F-8012-859191050462}"/>
+              </a:ext>
+            </a:extLst>
+          </p:cNvPr>
+          <p:cNvPicPr>
+            <a:picLocks noGrp="1" noChangeAspect="1"/>
+          </p:cNvPicPr>
+          <p:nvPr>
+            <p:ph idx="1"/>
+          </p:nvPr>
+        </p:nvPicPr>
+        <p:blipFill>
+          <a:blip r:embed="rId2">
+            <a:extLst>
+              <a:ext uri="{28A0092B-C50C-407E-A947-70E740481C1C}">
+                <a14:useLocalDpi xmlns:a14="http://schemas.microsoft.com/office/drawing/2010/main" val="0"/>
+              </a:ext>
+              <a:ext uri="{96DAC541-7B7A-43D3-8B79-37D633B846F1}">
+                <asvg:svgBlip xmlns:asvg="http://schemas.microsoft.com/office/drawing/2016/SVG/main" r:embed="rId3"/>
+              </a:ext>
+            </a:extLst>
+          </a:blip>
+          <a:stretch>
+            <a:fillRect/>
+          </a:stretch>
+        </p:blipFill>
+        <p:spPr>
+          <a:xfrm>
+            <a:off x="4658496" y="1027906"/>
+            <a:ext cx="2875007" cy="4468164"/>
+          </a:xfrm>
+        </p:spPr>
+      </p:pic>
     </p:spTree>
     <p:extLst>
       <p:ext uri="{BB962C8B-B14F-4D97-AF65-F5344CB8AC3E}">
-        <p14:creationId xmlns:p14="http://schemas.microsoft.com/office/powerpoint/2010/main" val="2657769214"/>
+        <p14:creationId xmlns:p14="http://schemas.microsoft.com/office/powerpoint/2010/main" val="1310851613"/>
       </p:ext>
     </p:extLst>
   </p:cSld>
@@ -3953,37 +3844,12 @@
           <a:chExt cx="0" cy="0"/>
         </a:xfrm>
       </p:grpSpPr>
-      <p:sp>
-        <p:nvSpPr>
-          <p:cNvPr id="2" name="标题 1">
-            <a:extLst>
-              <a:ext uri="{FF2B5EF4-FFF2-40B4-BE49-F238E27FC236}">
-                <a16:creationId xmlns:a16="http://schemas.microsoft.com/office/drawing/2014/main" id="{70AB8580-5B6A-410A-9991-0DF7AEA07A46}"/>
-              </a:ext>
-            </a:extLst>
-          </p:cNvPr>
-          <p:cNvSpPr>
-            <a:spLocks noGrp="1"/>
-          </p:cNvSpPr>
-          <p:nvPr>
-            <p:ph type="title"/>
-          </p:nvPr>
-        </p:nvSpPr>
-        <p:spPr/>
-        <p:txBody>
-          <a:bodyPr/>
-          <a:lstStyle/>
-          <a:p>
-            <a:endParaRPr lang="zh-CN" altLang="en-US"/>
-          </a:p>
-        </p:txBody>
-      </p:sp>
       <p:pic>
         <p:nvPicPr>
-          <p:cNvPr id="5" name="内容占位符 4">
-            <a:extLst>
-              <a:ext uri="{FF2B5EF4-FFF2-40B4-BE49-F238E27FC236}">
-                <a16:creationId xmlns:a16="http://schemas.microsoft.com/office/drawing/2014/main" id="{F4537471-2CFE-456E-B2E5-D5478DBB79E0}"/>
+          <p:cNvPr id="6" name="内容占位符 5">
+            <a:extLst>
+              <a:ext uri="{FF2B5EF4-FFF2-40B4-BE49-F238E27FC236}">
+                <a16:creationId xmlns:a16="http://schemas.microsoft.com/office/drawing/2014/main" id="{9B83B184-A6CA-4CE9-B0FD-65CDAD37B02F}"/>
               </a:ext>
             </a:extLst>
           </p:cNvPr>
@@ -3999,6 +3865,9 @@
             <a:extLst>
               <a:ext uri="{28A0092B-C50C-407E-A947-70E740481C1C}">
                 <a14:useLocalDpi xmlns:a14="http://schemas.microsoft.com/office/drawing/2010/main" val="0"/>
+              </a:ext>
+              <a:ext uri="{96DAC541-7B7A-43D3-8B79-37D633B846F1}">
+                <asvg:svgBlip xmlns:asvg="http://schemas.microsoft.com/office/drawing/2016/SVG/main" r:embed="rId3"/>
               </a:ext>
             </a:extLst>
           </a:blip>
@@ -4008,15 +3877,15 @@
         </p:blipFill>
         <p:spPr>
           <a:xfrm>
-            <a:off x="5197408" y="1161121"/>
-            <a:ext cx="2711180" cy="4223184"/>
+            <a:off x="223747" y="1622153"/>
+            <a:ext cx="11744506" cy="3613694"/>
           </a:xfrm>
         </p:spPr>
       </p:pic>
     </p:spTree>
     <p:extLst>
       <p:ext uri="{BB962C8B-B14F-4D97-AF65-F5344CB8AC3E}">
-        <p14:creationId xmlns:p14="http://schemas.microsoft.com/office/powerpoint/2010/main" val="1310851613"/>
+        <p14:creationId xmlns:p14="http://schemas.microsoft.com/office/powerpoint/2010/main" val="4030403103"/>
       </p:ext>
     </p:extLst>
   </p:cSld>
@@ -4043,52 +3912,28 @@
           <a:chExt cx="0" cy="0"/>
         </a:xfrm>
       </p:grpSpPr>
-      <p:sp>
-        <p:nvSpPr>
-          <p:cNvPr id="2" name="标题 1">
-            <a:extLst>
-              <a:ext uri="{FF2B5EF4-FFF2-40B4-BE49-F238E27FC236}">
-                <a16:creationId xmlns:a16="http://schemas.microsoft.com/office/drawing/2014/main" id="{C5EBE412-0F80-493C-B1E3-44FC33007475}"/>
-              </a:ext>
-            </a:extLst>
-          </p:cNvPr>
-          <p:cNvSpPr>
-            <a:spLocks noGrp="1"/>
-          </p:cNvSpPr>
-          <p:nvPr>
-            <p:ph type="title"/>
-          </p:nvPr>
-        </p:nvSpPr>
-        <p:spPr/>
-        <p:txBody>
-          <a:bodyPr/>
-          <a:lstStyle/>
-          <a:p>
-            <a:endParaRPr lang="zh-CN" altLang="en-US"/>
-          </a:p>
-        </p:txBody>
-      </p:sp>
       <p:pic>
         <p:nvPicPr>
-          <p:cNvPr id="5" name="内容占位符 4">
-            <a:extLst>
-              <a:ext uri="{FF2B5EF4-FFF2-40B4-BE49-F238E27FC236}">
-                <a16:creationId xmlns:a16="http://schemas.microsoft.com/office/drawing/2014/main" id="{5C4D0072-F697-4FD0-9EFF-A90C270175D5}"/>
+          <p:cNvPr id="6" name="图形 5">
+            <a:extLst>
+              <a:ext uri="{FF2B5EF4-FFF2-40B4-BE49-F238E27FC236}">
+                <a16:creationId xmlns:a16="http://schemas.microsoft.com/office/drawing/2014/main" id="{AA9BD2A3-65BC-4CF1-A513-FA223E0CE187}"/>
               </a:ext>
             </a:extLst>
           </p:cNvPr>
           <p:cNvPicPr>
-            <a:picLocks noGrp="1" noChangeAspect="1"/>
+            <a:picLocks noChangeAspect="1"/>
           </p:cNvPicPr>
-          <p:nvPr>
-            <p:ph idx="1"/>
-          </p:nvPr>
+          <p:nvPr/>
         </p:nvPicPr>
         <p:blipFill>
           <a:blip r:embed="rId2">
             <a:extLst>
               <a:ext uri="{28A0092B-C50C-407E-A947-70E740481C1C}">
                 <a14:useLocalDpi xmlns:a14="http://schemas.microsoft.com/office/drawing/2010/main" val="0"/>
+              </a:ext>
+              <a:ext uri="{96DAC541-7B7A-43D3-8B79-37D633B846F1}">
+                <asvg:svgBlip xmlns:asvg="http://schemas.microsoft.com/office/drawing/2016/SVG/main" r:embed="rId3"/>
               </a:ext>
             </a:extLst>
           </a:blip>
@@ -4098,15 +3943,18 @@
         </p:blipFill>
         <p:spPr>
           <a:xfrm>
-            <a:off x="90892" y="1301582"/>
-            <a:ext cx="12010216" cy="3678980"/>
+            <a:off x="2633432" y="365124"/>
+            <a:ext cx="5520494" cy="5676945"/>
           </a:xfrm>
+          <a:prstGeom prst="rect">
+            <a:avLst/>
+          </a:prstGeom>
         </p:spPr>
       </p:pic>
     </p:spTree>
     <p:extLst>
       <p:ext uri="{BB962C8B-B14F-4D97-AF65-F5344CB8AC3E}">
-        <p14:creationId xmlns:p14="http://schemas.microsoft.com/office/powerpoint/2010/main" val="4030403103"/>
+        <p14:creationId xmlns:p14="http://schemas.microsoft.com/office/powerpoint/2010/main" val="247196184"/>
       </p:ext>
     </p:extLst>
   </p:cSld>
@@ -4133,52 +3981,28 @@
           <a:chExt cx="0" cy="0"/>
         </a:xfrm>
       </p:grpSpPr>
-      <p:sp>
-        <p:nvSpPr>
-          <p:cNvPr id="2" name="标题 1">
-            <a:extLst>
-              <a:ext uri="{FF2B5EF4-FFF2-40B4-BE49-F238E27FC236}">
-                <a16:creationId xmlns:a16="http://schemas.microsoft.com/office/drawing/2014/main" id="{1E847BF4-53FB-47C4-BB17-34D681A79FFC}"/>
-              </a:ext>
-            </a:extLst>
-          </p:cNvPr>
-          <p:cNvSpPr>
-            <a:spLocks noGrp="1"/>
-          </p:cNvSpPr>
-          <p:nvPr>
-            <p:ph type="title"/>
-          </p:nvPr>
-        </p:nvSpPr>
-        <p:spPr/>
-        <p:txBody>
-          <a:bodyPr/>
-          <a:lstStyle/>
-          <a:p>
-            <a:endParaRPr lang="zh-CN" altLang="en-US"/>
-          </a:p>
-        </p:txBody>
-      </p:sp>
       <p:pic>
         <p:nvPicPr>
-          <p:cNvPr id="5" name="内容占位符 4">
-            <a:extLst>
-              <a:ext uri="{FF2B5EF4-FFF2-40B4-BE49-F238E27FC236}">
-                <a16:creationId xmlns:a16="http://schemas.microsoft.com/office/drawing/2014/main" id="{7FC6D1CF-E82B-441D-BA10-D4B84A8A650B}"/>
+          <p:cNvPr id="4" name="图形 3">
+            <a:extLst>
+              <a:ext uri="{FF2B5EF4-FFF2-40B4-BE49-F238E27FC236}">
+                <a16:creationId xmlns:a16="http://schemas.microsoft.com/office/drawing/2014/main" id="{519B19F0-D922-41E3-A8B0-A366CA2B7D6B}"/>
               </a:ext>
             </a:extLst>
           </p:cNvPr>
           <p:cNvPicPr>
-            <a:picLocks noGrp="1" noChangeAspect="1"/>
+            <a:picLocks noChangeAspect="1"/>
           </p:cNvPicPr>
-          <p:nvPr>
-            <p:ph idx="1"/>
-          </p:nvPr>
+          <p:nvPr/>
         </p:nvPicPr>
         <p:blipFill>
           <a:blip r:embed="rId2">
             <a:extLst>
               <a:ext uri="{28A0092B-C50C-407E-A947-70E740481C1C}">
                 <a14:useLocalDpi xmlns:a14="http://schemas.microsoft.com/office/drawing/2010/main" val="0"/>
+              </a:ext>
+              <a:ext uri="{96DAC541-7B7A-43D3-8B79-37D633B846F1}">
+                <asvg:svgBlip xmlns:asvg="http://schemas.microsoft.com/office/drawing/2016/SVG/main" r:embed="rId3"/>
               </a:ext>
             </a:extLst>
           </a:blip>
@@ -4188,15 +4012,18 @@
         </p:blipFill>
         <p:spPr>
           <a:xfrm>
-            <a:off x="3769012" y="1352672"/>
-            <a:ext cx="4653976" cy="4532951"/>
+            <a:off x="3331451" y="1215587"/>
+            <a:ext cx="5055804" cy="3994364"/>
           </a:xfrm>
+          <a:prstGeom prst="rect">
+            <a:avLst/>
+          </a:prstGeom>
         </p:spPr>
       </p:pic>
     </p:spTree>
     <p:extLst>
       <p:ext uri="{BB962C8B-B14F-4D97-AF65-F5344CB8AC3E}">
-        <p14:creationId xmlns:p14="http://schemas.microsoft.com/office/powerpoint/2010/main" val="247196184"/>
+        <p14:creationId xmlns:p14="http://schemas.microsoft.com/office/powerpoint/2010/main" val="1914079089"/>
       </p:ext>
     </p:extLst>
   </p:cSld>
@@ -4223,52 +4050,28 @@
           <a:chExt cx="0" cy="0"/>
         </a:xfrm>
       </p:grpSpPr>
-      <p:sp>
-        <p:nvSpPr>
-          <p:cNvPr id="2" name="标题 1">
-            <a:extLst>
-              <a:ext uri="{FF2B5EF4-FFF2-40B4-BE49-F238E27FC236}">
-                <a16:creationId xmlns:a16="http://schemas.microsoft.com/office/drawing/2014/main" id="{7F99FF34-5784-445D-8A65-1525461053E0}"/>
-              </a:ext>
-            </a:extLst>
-          </p:cNvPr>
-          <p:cNvSpPr>
-            <a:spLocks noGrp="1"/>
-          </p:cNvSpPr>
-          <p:nvPr>
-            <p:ph type="title"/>
-          </p:nvPr>
-        </p:nvSpPr>
-        <p:spPr/>
-        <p:txBody>
-          <a:bodyPr/>
-          <a:lstStyle/>
-          <a:p>
-            <a:endParaRPr lang="zh-CN" altLang="en-US"/>
-          </a:p>
-        </p:txBody>
-      </p:sp>
       <p:pic>
         <p:nvPicPr>
-          <p:cNvPr id="5" name="内容占位符 4">
-            <a:extLst>
-              <a:ext uri="{FF2B5EF4-FFF2-40B4-BE49-F238E27FC236}">
-                <a16:creationId xmlns:a16="http://schemas.microsoft.com/office/drawing/2014/main" id="{9EF91C78-D426-4839-8579-49F6D1658B3C}"/>
+          <p:cNvPr id="5" name="图形 4">
+            <a:extLst>
+              <a:ext uri="{FF2B5EF4-FFF2-40B4-BE49-F238E27FC236}">
+                <a16:creationId xmlns:a16="http://schemas.microsoft.com/office/drawing/2014/main" id="{FF22AF84-E613-4FB7-95C2-1C3E3CBB5056}"/>
               </a:ext>
             </a:extLst>
           </p:cNvPr>
           <p:cNvPicPr>
-            <a:picLocks noGrp="1" noChangeAspect="1"/>
+            <a:picLocks noChangeAspect="1"/>
           </p:cNvPicPr>
-          <p:nvPr>
-            <p:ph idx="1"/>
-          </p:nvPr>
+          <p:nvPr/>
         </p:nvPicPr>
         <p:blipFill>
           <a:blip r:embed="rId2">
             <a:extLst>
               <a:ext uri="{28A0092B-C50C-407E-A947-70E740481C1C}">
                 <a14:useLocalDpi xmlns:a14="http://schemas.microsoft.com/office/drawing/2010/main" val="0"/>
+              </a:ext>
+              <a:ext uri="{96DAC541-7B7A-43D3-8B79-37D633B846F1}">
+                <asvg:svgBlip xmlns:asvg="http://schemas.microsoft.com/office/drawing/2016/SVG/main" r:embed="rId3"/>
               </a:ext>
             </a:extLst>
           </a:blip>
@@ -4278,15 +4081,18 @@
         </p:blipFill>
         <p:spPr>
           <a:xfrm>
-            <a:off x="3987630" y="1352533"/>
-            <a:ext cx="4556906" cy="4493791"/>
+            <a:off x="3502547" y="1150981"/>
+            <a:ext cx="5186905" cy="4360672"/>
           </a:xfrm>
+          <a:prstGeom prst="rect">
+            <a:avLst/>
+          </a:prstGeom>
         </p:spPr>
       </p:pic>
     </p:spTree>
     <p:extLst>
       <p:ext uri="{BB962C8B-B14F-4D97-AF65-F5344CB8AC3E}">
-        <p14:creationId xmlns:p14="http://schemas.microsoft.com/office/powerpoint/2010/main" val="1914079089"/>
+        <p14:creationId xmlns:p14="http://schemas.microsoft.com/office/powerpoint/2010/main" val="888656514"/>
       </p:ext>
     </p:extLst>
   </p:cSld>
@@ -4313,37 +4119,12 @@
           <a:chExt cx="0" cy="0"/>
         </a:xfrm>
       </p:grpSpPr>
-      <p:sp>
-        <p:nvSpPr>
-          <p:cNvPr id="2" name="标题 1">
-            <a:extLst>
-              <a:ext uri="{FF2B5EF4-FFF2-40B4-BE49-F238E27FC236}">
-                <a16:creationId xmlns:a16="http://schemas.microsoft.com/office/drawing/2014/main" id="{BED406D5-A266-45AE-8F4E-B4AF09963B27}"/>
-              </a:ext>
-            </a:extLst>
-          </p:cNvPr>
-          <p:cNvSpPr>
-            <a:spLocks noGrp="1"/>
-          </p:cNvSpPr>
-          <p:nvPr>
-            <p:ph type="title"/>
-          </p:nvPr>
-        </p:nvSpPr>
-        <p:spPr/>
-        <p:txBody>
-          <a:bodyPr/>
-          <a:lstStyle/>
-          <a:p>
-            <a:endParaRPr lang="zh-CN" altLang="en-US"/>
-          </a:p>
-        </p:txBody>
-      </p:sp>
       <p:pic>
         <p:nvPicPr>
           <p:cNvPr id="5" name="内容占位符 4">
             <a:extLst>
               <a:ext uri="{FF2B5EF4-FFF2-40B4-BE49-F238E27FC236}">
-                <a16:creationId xmlns:a16="http://schemas.microsoft.com/office/drawing/2014/main" id="{75477D55-22FB-4416-A315-0E825CF57994}"/>
+                <a16:creationId xmlns:a16="http://schemas.microsoft.com/office/drawing/2014/main" id="{D90F21AC-A29C-41E0-BABC-D002F2BC3C0D}"/>
               </a:ext>
             </a:extLst>
           </p:cNvPr>
@@ -4359,6 +4140,9 @@
             <a:extLst>
               <a:ext uri="{28A0092B-C50C-407E-A947-70E740481C1C}">
                 <a14:useLocalDpi xmlns:a14="http://schemas.microsoft.com/office/drawing/2010/main" val="0"/>
+              </a:ext>
+              <a:ext uri="{96DAC541-7B7A-43D3-8B79-37D633B846F1}">
+                <asvg:svgBlip xmlns:asvg="http://schemas.microsoft.com/office/drawing/2016/SVG/main" r:embed="rId3"/>
               </a:ext>
             </a:extLst>
           </a:blip>
@@ -4368,15 +4152,15 @@
         </p:blipFill>
         <p:spPr>
           <a:xfrm>
-            <a:off x="4064906" y="1130900"/>
-            <a:ext cx="4446797" cy="5151354"/>
+            <a:off x="5012072" y="104143"/>
+            <a:ext cx="2832518" cy="6388732"/>
           </a:xfrm>
         </p:spPr>
       </p:pic>
     </p:spTree>
     <p:extLst>
       <p:ext uri="{BB962C8B-B14F-4D97-AF65-F5344CB8AC3E}">
-        <p14:creationId xmlns:p14="http://schemas.microsoft.com/office/powerpoint/2010/main" val="888656514"/>
+        <p14:creationId xmlns:p14="http://schemas.microsoft.com/office/powerpoint/2010/main" val="4015809447"/>
       </p:ext>
     </p:extLst>
   </p:cSld>
